--- a/ppt 16-9/1483.瞎子得看见.pptx
+++ b/ppt 16-9/1483.瞎子得看见.pptx
@@ -5,7 +5,7 @@
     <p:sldMasterId id="2147483648" r:id="rId1"/>
   </p:sldMasterIdLst>
   <p:sldIdLst>
-    <p:sldId id="1057" r:id="rId2"/>
+    <p:sldId id="1058" r:id="rId2"/>
   </p:sldIdLst>
   <p:sldSz cx="12192000" cy="6858000"/>
   <p:notesSz cx="6858000" cy="9144000"/>
@@ -129,7 +129,7 @@
           <p:cNvPr id="2" name="标题 1">
             <a:extLst>
               <a:ext uri="{FF2B5EF4-FFF2-40B4-BE49-F238E27FC236}">
-                <a16:creationId xmlns:a16="http://schemas.microsoft.com/office/drawing/2014/main" id="{AC16ACBA-11BA-D484-9767-985132C8C6E4}"/>
+                <a16:creationId xmlns:a16="http://schemas.microsoft.com/office/drawing/2014/main" id="{AF08D552-6801-F4BC-6557-F6A96C86457B}"/>
               </a:ext>
             </a:extLst>
           </p:cNvPr>
@@ -166,7 +166,7 @@
           <p:cNvPr id="3" name="副标题 2">
             <a:extLst>
               <a:ext uri="{FF2B5EF4-FFF2-40B4-BE49-F238E27FC236}">
-                <a16:creationId xmlns:a16="http://schemas.microsoft.com/office/drawing/2014/main" id="{01ECABB8-13B7-8E09-1211-32C61FC9D54D}"/>
+                <a16:creationId xmlns:a16="http://schemas.microsoft.com/office/drawing/2014/main" id="{438A4C7F-2FB5-E7D9-E759-C6A96D77230F}"/>
               </a:ext>
             </a:extLst>
           </p:cNvPr>
@@ -236,7 +236,7 @@
           <p:cNvPr id="4" name="日期占位符 3">
             <a:extLst>
               <a:ext uri="{FF2B5EF4-FFF2-40B4-BE49-F238E27FC236}">
-                <a16:creationId xmlns:a16="http://schemas.microsoft.com/office/drawing/2014/main" id="{EC543912-BBA7-8CFB-47AC-F427E37D4F0F}"/>
+                <a16:creationId xmlns:a16="http://schemas.microsoft.com/office/drawing/2014/main" id="{096D34F8-CE33-6B0D-0944-4FEF5D81793C}"/>
               </a:ext>
             </a:extLst>
           </p:cNvPr>
@@ -252,7 +252,7 @@
           <a:bodyPr/>
           <a:lstStyle/>
           <a:p>
-            <a:fld id="{4AED58CB-6DBF-4E5D-B2BB-302C961CF534}" type="datetimeFigureOut">
+            <a:fld id="{7E5A2B70-5C13-440E-BC72-CA49F10E5E51}" type="datetimeFigureOut">
               <a:rPr lang="zh-CN" altLang="en-US" smtClean="0"/>
               <a:t>2024/3/10</a:t>
             </a:fld>
@@ -265,7 +265,7 @@
           <p:cNvPr id="5" name="页脚占位符 4">
             <a:extLst>
               <a:ext uri="{FF2B5EF4-FFF2-40B4-BE49-F238E27FC236}">
-                <a16:creationId xmlns:a16="http://schemas.microsoft.com/office/drawing/2014/main" id="{4F1F25F9-4A8A-882B-8541-AD0FB6BF4ED2}"/>
+                <a16:creationId xmlns:a16="http://schemas.microsoft.com/office/drawing/2014/main" id="{64EB581D-9CD6-E4E5-D4EC-A1248944A337}"/>
               </a:ext>
             </a:extLst>
           </p:cNvPr>
@@ -290,7 +290,7 @@
           <p:cNvPr id="6" name="灯片编号占位符 5">
             <a:extLst>
               <a:ext uri="{FF2B5EF4-FFF2-40B4-BE49-F238E27FC236}">
-                <a16:creationId xmlns:a16="http://schemas.microsoft.com/office/drawing/2014/main" id="{D8BB136C-F4BD-C74F-727A-A125CB4C86E2}"/>
+                <a16:creationId xmlns:a16="http://schemas.microsoft.com/office/drawing/2014/main" id="{5848E401-39F8-799D-FAC9-3E9B7EB9C0B4}"/>
               </a:ext>
             </a:extLst>
           </p:cNvPr>
@@ -306,7 +306,7 @@
           <a:bodyPr/>
           <a:lstStyle/>
           <a:p>
-            <a:fld id="{A03DD7C7-5BF9-4356-A162-F90139952582}" type="slidenum">
+            <a:fld id="{89C64599-9029-4A5B-8E37-C9D90AADA025}" type="slidenum">
               <a:rPr lang="zh-CN" altLang="en-US" smtClean="0"/>
               <a:t>‹#›</a:t>
             </a:fld>
@@ -317,7 +317,7 @@
     </p:spTree>
     <p:extLst>
       <p:ext uri="{BB962C8B-B14F-4D97-AF65-F5344CB8AC3E}">
-        <p14:creationId xmlns:p14="http://schemas.microsoft.com/office/powerpoint/2010/main" val="4138673154"/>
+        <p14:creationId xmlns:p14="http://schemas.microsoft.com/office/powerpoint/2010/main" val="10527576"/>
       </p:ext>
     </p:extLst>
   </p:cSld>
@@ -349,7 +349,7 @@
           <p:cNvPr id="2" name="标题 1">
             <a:extLst>
               <a:ext uri="{FF2B5EF4-FFF2-40B4-BE49-F238E27FC236}">
-                <a16:creationId xmlns:a16="http://schemas.microsoft.com/office/drawing/2014/main" id="{9D3F340C-55A3-B8E9-8762-84FAE6CA4A49}"/>
+                <a16:creationId xmlns:a16="http://schemas.microsoft.com/office/drawing/2014/main" id="{F7751E31-A411-B53D-F1CD-DBC03DF51C2E}"/>
               </a:ext>
             </a:extLst>
           </p:cNvPr>
@@ -377,7 +377,7 @@
           <p:cNvPr id="3" name="竖排文字占位符 2">
             <a:extLst>
               <a:ext uri="{FF2B5EF4-FFF2-40B4-BE49-F238E27FC236}">
-                <a16:creationId xmlns:a16="http://schemas.microsoft.com/office/drawing/2014/main" id="{BBEF77B8-D6C8-0E05-8CDA-7F61BA9FF513}"/>
+                <a16:creationId xmlns:a16="http://schemas.microsoft.com/office/drawing/2014/main" id="{71EECEA4-8DEF-443F-6CE9-EB83B519A8A1}"/>
               </a:ext>
             </a:extLst>
           </p:cNvPr>
@@ -434,7 +434,7 @@
           <p:cNvPr id="4" name="日期占位符 3">
             <a:extLst>
               <a:ext uri="{FF2B5EF4-FFF2-40B4-BE49-F238E27FC236}">
-                <a16:creationId xmlns:a16="http://schemas.microsoft.com/office/drawing/2014/main" id="{D867FAA7-ED54-F58B-D5EF-5E5180135F39}"/>
+                <a16:creationId xmlns:a16="http://schemas.microsoft.com/office/drawing/2014/main" id="{19999B73-61B6-9B80-F5FD-3AF1786E0DE1}"/>
               </a:ext>
             </a:extLst>
           </p:cNvPr>
@@ -450,7 +450,7 @@
           <a:bodyPr/>
           <a:lstStyle/>
           <a:p>
-            <a:fld id="{4AED58CB-6DBF-4E5D-B2BB-302C961CF534}" type="datetimeFigureOut">
+            <a:fld id="{7E5A2B70-5C13-440E-BC72-CA49F10E5E51}" type="datetimeFigureOut">
               <a:rPr lang="zh-CN" altLang="en-US" smtClean="0"/>
               <a:t>2024/3/10</a:t>
             </a:fld>
@@ -463,7 +463,7 @@
           <p:cNvPr id="5" name="页脚占位符 4">
             <a:extLst>
               <a:ext uri="{FF2B5EF4-FFF2-40B4-BE49-F238E27FC236}">
-                <a16:creationId xmlns:a16="http://schemas.microsoft.com/office/drawing/2014/main" id="{86EB9F77-3191-960D-D778-89E29C8132C4}"/>
+                <a16:creationId xmlns:a16="http://schemas.microsoft.com/office/drawing/2014/main" id="{D4A06F6F-7313-9D1D-F45F-EF370F9733E1}"/>
               </a:ext>
             </a:extLst>
           </p:cNvPr>
@@ -488,7 +488,7 @@
           <p:cNvPr id="6" name="灯片编号占位符 5">
             <a:extLst>
               <a:ext uri="{FF2B5EF4-FFF2-40B4-BE49-F238E27FC236}">
-                <a16:creationId xmlns:a16="http://schemas.microsoft.com/office/drawing/2014/main" id="{72987424-400E-0A2D-CB83-379B50F54C17}"/>
+                <a16:creationId xmlns:a16="http://schemas.microsoft.com/office/drawing/2014/main" id="{828CBE1F-F679-BC32-F3FC-C7A71607A379}"/>
               </a:ext>
             </a:extLst>
           </p:cNvPr>
@@ -504,7 +504,7 @@
           <a:bodyPr/>
           <a:lstStyle/>
           <a:p>
-            <a:fld id="{A03DD7C7-5BF9-4356-A162-F90139952582}" type="slidenum">
+            <a:fld id="{89C64599-9029-4A5B-8E37-C9D90AADA025}" type="slidenum">
               <a:rPr lang="zh-CN" altLang="en-US" smtClean="0"/>
               <a:t>‹#›</a:t>
             </a:fld>
@@ -515,7 +515,7 @@
     </p:spTree>
     <p:extLst>
       <p:ext uri="{BB962C8B-B14F-4D97-AF65-F5344CB8AC3E}">
-        <p14:creationId xmlns:p14="http://schemas.microsoft.com/office/powerpoint/2010/main" val="1181914318"/>
+        <p14:creationId xmlns:p14="http://schemas.microsoft.com/office/powerpoint/2010/main" val="1518168705"/>
       </p:ext>
     </p:extLst>
   </p:cSld>
@@ -547,7 +547,7 @@
           <p:cNvPr id="2" name="竖排标题 1">
             <a:extLst>
               <a:ext uri="{FF2B5EF4-FFF2-40B4-BE49-F238E27FC236}">
-                <a16:creationId xmlns:a16="http://schemas.microsoft.com/office/drawing/2014/main" id="{CB85689E-4929-4CB9-9C47-135A13212E8C}"/>
+                <a16:creationId xmlns:a16="http://schemas.microsoft.com/office/drawing/2014/main" id="{4817A205-D1A0-8DBB-BB6A-D47EC0F355A1}"/>
               </a:ext>
             </a:extLst>
           </p:cNvPr>
@@ -580,7 +580,7 @@
           <p:cNvPr id="3" name="竖排文字占位符 2">
             <a:extLst>
               <a:ext uri="{FF2B5EF4-FFF2-40B4-BE49-F238E27FC236}">
-                <a16:creationId xmlns:a16="http://schemas.microsoft.com/office/drawing/2014/main" id="{8ABFC6EA-8639-AFA4-8412-2B920A141BDE}"/>
+                <a16:creationId xmlns:a16="http://schemas.microsoft.com/office/drawing/2014/main" id="{94935CA1-FDC2-CE6C-B1AC-FF4E79292DE3}"/>
               </a:ext>
             </a:extLst>
           </p:cNvPr>
@@ -642,7 +642,7 @@
           <p:cNvPr id="4" name="日期占位符 3">
             <a:extLst>
               <a:ext uri="{FF2B5EF4-FFF2-40B4-BE49-F238E27FC236}">
-                <a16:creationId xmlns:a16="http://schemas.microsoft.com/office/drawing/2014/main" id="{CA28F63D-24B5-D219-3272-DD251E11CE05}"/>
+                <a16:creationId xmlns:a16="http://schemas.microsoft.com/office/drawing/2014/main" id="{D0F722FE-41C6-D792-6B21-5DA29905395A}"/>
               </a:ext>
             </a:extLst>
           </p:cNvPr>
@@ -658,7 +658,7 @@
           <a:bodyPr/>
           <a:lstStyle/>
           <a:p>
-            <a:fld id="{4AED58CB-6DBF-4E5D-B2BB-302C961CF534}" type="datetimeFigureOut">
+            <a:fld id="{7E5A2B70-5C13-440E-BC72-CA49F10E5E51}" type="datetimeFigureOut">
               <a:rPr lang="zh-CN" altLang="en-US" smtClean="0"/>
               <a:t>2024/3/10</a:t>
             </a:fld>
@@ -671,7 +671,7 @@
           <p:cNvPr id="5" name="页脚占位符 4">
             <a:extLst>
               <a:ext uri="{FF2B5EF4-FFF2-40B4-BE49-F238E27FC236}">
-                <a16:creationId xmlns:a16="http://schemas.microsoft.com/office/drawing/2014/main" id="{B7ECEB22-618B-1F75-504B-5D2B682861C0}"/>
+                <a16:creationId xmlns:a16="http://schemas.microsoft.com/office/drawing/2014/main" id="{1C22C49A-57EE-5139-F539-276B3E746129}"/>
               </a:ext>
             </a:extLst>
           </p:cNvPr>
@@ -696,7 +696,7 @@
           <p:cNvPr id="6" name="灯片编号占位符 5">
             <a:extLst>
               <a:ext uri="{FF2B5EF4-FFF2-40B4-BE49-F238E27FC236}">
-                <a16:creationId xmlns:a16="http://schemas.microsoft.com/office/drawing/2014/main" id="{F4807F92-BBB0-3679-16F5-D6EA300B7550}"/>
+                <a16:creationId xmlns:a16="http://schemas.microsoft.com/office/drawing/2014/main" id="{915BD6F2-EAF8-F891-F083-4DD6A44DDCF2}"/>
               </a:ext>
             </a:extLst>
           </p:cNvPr>
@@ -712,7 +712,7 @@
           <a:bodyPr/>
           <a:lstStyle/>
           <a:p>
-            <a:fld id="{A03DD7C7-5BF9-4356-A162-F90139952582}" type="slidenum">
+            <a:fld id="{89C64599-9029-4A5B-8E37-C9D90AADA025}" type="slidenum">
               <a:rPr lang="zh-CN" altLang="en-US" smtClean="0"/>
               <a:t>‹#›</a:t>
             </a:fld>
@@ -723,7 +723,7 @@
     </p:spTree>
     <p:extLst>
       <p:ext uri="{BB962C8B-B14F-4D97-AF65-F5344CB8AC3E}">
-        <p14:creationId xmlns:p14="http://schemas.microsoft.com/office/powerpoint/2010/main" val="3219326782"/>
+        <p14:creationId xmlns:p14="http://schemas.microsoft.com/office/powerpoint/2010/main" val="3505996107"/>
       </p:ext>
     </p:extLst>
   </p:cSld>
@@ -755,7 +755,7 @@
           <p:cNvPr id="2" name="标题 1">
             <a:extLst>
               <a:ext uri="{FF2B5EF4-FFF2-40B4-BE49-F238E27FC236}">
-                <a16:creationId xmlns:a16="http://schemas.microsoft.com/office/drawing/2014/main" id="{65A187FA-08FB-8395-3FE3-819DA649D893}"/>
+                <a16:creationId xmlns:a16="http://schemas.microsoft.com/office/drawing/2014/main" id="{3C5E4044-2333-3195-2D6F-0F0E7CEF5C31}"/>
               </a:ext>
             </a:extLst>
           </p:cNvPr>
@@ -783,7 +783,7 @@
           <p:cNvPr id="3" name="内容占位符 2">
             <a:extLst>
               <a:ext uri="{FF2B5EF4-FFF2-40B4-BE49-F238E27FC236}">
-                <a16:creationId xmlns:a16="http://schemas.microsoft.com/office/drawing/2014/main" id="{EA24AEB2-4719-20A8-565B-4E5CCAE847B4}"/>
+                <a16:creationId xmlns:a16="http://schemas.microsoft.com/office/drawing/2014/main" id="{1A7FEA44-3537-9EFE-9F3D-C8E866FD085E}"/>
               </a:ext>
             </a:extLst>
           </p:cNvPr>
@@ -840,7 +840,7 @@
           <p:cNvPr id="4" name="日期占位符 3">
             <a:extLst>
               <a:ext uri="{FF2B5EF4-FFF2-40B4-BE49-F238E27FC236}">
-                <a16:creationId xmlns:a16="http://schemas.microsoft.com/office/drawing/2014/main" id="{4A4F3BD2-0D47-47BB-6978-964BE78E76E3}"/>
+                <a16:creationId xmlns:a16="http://schemas.microsoft.com/office/drawing/2014/main" id="{6ECBDCFA-C855-1BA8-B373-9A436DC6CC6D}"/>
               </a:ext>
             </a:extLst>
           </p:cNvPr>
@@ -856,7 +856,7 @@
           <a:bodyPr/>
           <a:lstStyle/>
           <a:p>
-            <a:fld id="{4AED58CB-6DBF-4E5D-B2BB-302C961CF534}" type="datetimeFigureOut">
+            <a:fld id="{7E5A2B70-5C13-440E-BC72-CA49F10E5E51}" type="datetimeFigureOut">
               <a:rPr lang="zh-CN" altLang="en-US" smtClean="0"/>
               <a:t>2024/3/10</a:t>
             </a:fld>
@@ -869,7 +869,7 @@
           <p:cNvPr id="5" name="页脚占位符 4">
             <a:extLst>
               <a:ext uri="{FF2B5EF4-FFF2-40B4-BE49-F238E27FC236}">
-                <a16:creationId xmlns:a16="http://schemas.microsoft.com/office/drawing/2014/main" id="{316E307D-B1F7-2C70-9821-F28DA500ABA9}"/>
+                <a16:creationId xmlns:a16="http://schemas.microsoft.com/office/drawing/2014/main" id="{3BBA12B4-285E-DABD-730C-1A848FA7BBD7}"/>
               </a:ext>
             </a:extLst>
           </p:cNvPr>
@@ -894,7 +894,7 @@
           <p:cNvPr id="6" name="灯片编号占位符 5">
             <a:extLst>
               <a:ext uri="{FF2B5EF4-FFF2-40B4-BE49-F238E27FC236}">
-                <a16:creationId xmlns:a16="http://schemas.microsoft.com/office/drawing/2014/main" id="{BFF9AE55-5022-0147-1287-0920FBABCFA3}"/>
+                <a16:creationId xmlns:a16="http://schemas.microsoft.com/office/drawing/2014/main" id="{F224EE48-CE39-F75F-919A-DD84F521BD3E}"/>
               </a:ext>
             </a:extLst>
           </p:cNvPr>
@@ -910,7 +910,7 @@
           <a:bodyPr/>
           <a:lstStyle/>
           <a:p>
-            <a:fld id="{A03DD7C7-5BF9-4356-A162-F90139952582}" type="slidenum">
+            <a:fld id="{89C64599-9029-4A5B-8E37-C9D90AADA025}" type="slidenum">
               <a:rPr lang="zh-CN" altLang="en-US" smtClean="0"/>
               <a:t>‹#›</a:t>
             </a:fld>
@@ -921,7 +921,7 @@
     </p:spTree>
     <p:extLst>
       <p:ext uri="{BB962C8B-B14F-4D97-AF65-F5344CB8AC3E}">
-        <p14:creationId xmlns:p14="http://schemas.microsoft.com/office/powerpoint/2010/main" val="759352940"/>
+        <p14:creationId xmlns:p14="http://schemas.microsoft.com/office/powerpoint/2010/main" val="3435829841"/>
       </p:ext>
     </p:extLst>
   </p:cSld>
@@ -953,7 +953,7 @@
           <p:cNvPr id="2" name="标题 1">
             <a:extLst>
               <a:ext uri="{FF2B5EF4-FFF2-40B4-BE49-F238E27FC236}">
-                <a16:creationId xmlns:a16="http://schemas.microsoft.com/office/drawing/2014/main" id="{4DEFD4A7-BC31-FA99-6DAD-6C40FDE99C4E}"/>
+                <a16:creationId xmlns:a16="http://schemas.microsoft.com/office/drawing/2014/main" id="{D25F7D72-6432-0425-8DEF-EE0EC3154C99}"/>
               </a:ext>
             </a:extLst>
           </p:cNvPr>
@@ -990,7 +990,7 @@
           <p:cNvPr id="3" name="文本占位符 2">
             <a:extLst>
               <a:ext uri="{FF2B5EF4-FFF2-40B4-BE49-F238E27FC236}">
-                <a16:creationId xmlns:a16="http://schemas.microsoft.com/office/drawing/2014/main" id="{EB3696BE-B239-939F-C74D-18B07D50A072}"/>
+                <a16:creationId xmlns:a16="http://schemas.microsoft.com/office/drawing/2014/main" id="{7BE1D704-F357-9566-FF03-D619081CA577}"/>
               </a:ext>
             </a:extLst>
           </p:cNvPr>
@@ -1115,7 +1115,7 @@
           <p:cNvPr id="4" name="日期占位符 3">
             <a:extLst>
               <a:ext uri="{FF2B5EF4-FFF2-40B4-BE49-F238E27FC236}">
-                <a16:creationId xmlns:a16="http://schemas.microsoft.com/office/drawing/2014/main" id="{33794E51-C00A-2C04-055A-11FB941CD06A}"/>
+                <a16:creationId xmlns:a16="http://schemas.microsoft.com/office/drawing/2014/main" id="{408E4A81-A2F7-968C-EE47-9C3E56FC57A9}"/>
               </a:ext>
             </a:extLst>
           </p:cNvPr>
@@ -1131,7 +1131,7 @@
           <a:bodyPr/>
           <a:lstStyle/>
           <a:p>
-            <a:fld id="{4AED58CB-6DBF-4E5D-B2BB-302C961CF534}" type="datetimeFigureOut">
+            <a:fld id="{7E5A2B70-5C13-440E-BC72-CA49F10E5E51}" type="datetimeFigureOut">
               <a:rPr lang="zh-CN" altLang="en-US" smtClean="0"/>
               <a:t>2024/3/10</a:t>
             </a:fld>
@@ -1144,7 +1144,7 @@
           <p:cNvPr id="5" name="页脚占位符 4">
             <a:extLst>
               <a:ext uri="{FF2B5EF4-FFF2-40B4-BE49-F238E27FC236}">
-                <a16:creationId xmlns:a16="http://schemas.microsoft.com/office/drawing/2014/main" id="{EFCC070F-318A-1467-1066-DA67672C62E6}"/>
+                <a16:creationId xmlns:a16="http://schemas.microsoft.com/office/drawing/2014/main" id="{8A08F9A6-3EB4-D2C5-48CF-957ACEBC0916}"/>
               </a:ext>
             </a:extLst>
           </p:cNvPr>
@@ -1169,7 +1169,7 @@
           <p:cNvPr id="6" name="灯片编号占位符 5">
             <a:extLst>
               <a:ext uri="{FF2B5EF4-FFF2-40B4-BE49-F238E27FC236}">
-                <a16:creationId xmlns:a16="http://schemas.microsoft.com/office/drawing/2014/main" id="{92B40E53-A406-3FD0-3C3D-7B5F2880E97B}"/>
+                <a16:creationId xmlns:a16="http://schemas.microsoft.com/office/drawing/2014/main" id="{053514F4-E530-C42F-FFDA-BAA7BC4FB7A9}"/>
               </a:ext>
             </a:extLst>
           </p:cNvPr>
@@ -1185,7 +1185,7 @@
           <a:bodyPr/>
           <a:lstStyle/>
           <a:p>
-            <a:fld id="{A03DD7C7-5BF9-4356-A162-F90139952582}" type="slidenum">
+            <a:fld id="{89C64599-9029-4A5B-8E37-C9D90AADA025}" type="slidenum">
               <a:rPr lang="zh-CN" altLang="en-US" smtClean="0"/>
               <a:t>‹#›</a:t>
             </a:fld>
@@ -1196,7 +1196,7 @@
     </p:spTree>
     <p:extLst>
       <p:ext uri="{BB962C8B-B14F-4D97-AF65-F5344CB8AC3E}">
-        <p14:creationId xmlns:p14="http://schemas.microsoft.com/office/powerpoint/2010/main" val="2105523333"/>
+        <p14:creationId xmlns:p14="http://schemas.microsoft.com/office/powerpoint/2010/main" val="3476730513"/>
       </p:ext>
     </p:extLst>
   </p:cSld>
@@ -1228,7 +1228,7 @@
           <p:cNvPr id="2" name="标题 1">
             <a:extLst>
               <a:ext uri="{FF2B5EF4-FFF2-40B4-BE49-F238E27FC236}">
-                <a16:creationId xmlns:a16="http://schemas.microsoft.com/office/drawing/2014/main" id="{CC32D067-D5EF-A5B4-34EC-FC677DDF23A2}"/>
+                <a16:creationId xmlns:a16="http://schemas.microsoft.com/office/drawing/2014/main" id="{D75C1052-DC29-5280-887B-5E686BD9B019}"/>
               </a:ext>
             </a:extLst>
           </p:cNvPr>
@@ -1256,7 +1256,7 @@
           <p:cNvPr id="3" name="内容占位符 2">
             <a:extLst>
               <a:ext uri="{FF2B5EF4-FFF2-40B4-BE49-F238E27FC236}">
-                <a16:creationId xmlns:a16="http://schemas.microsoft.com/office/drawing/2014/main" id="{CB4301AA-F047-0B8C-BADC-D01E12D0B516}"/>
+                <a16:creationId xmlns:a16="http://schemas.microsoft.com/office/drawing/2014/main" id="{0A4F5904-C7B2-7109-1EC1-BD55FA21DFD1}"/>
               </a:ext>
             </a:extLst>
           </p:cNvPr>
@@ -1318,7 +1318,7 @@
           <p:cNvPr id="4" name="内容占位符 3">
             <a:extLst>
               <a:ext uri="{FF2B5EF4-FFF2-40B4-BE49-F238E27FC236}">
-                <a16:creationId xmlns:a16="http://schemas.microsoft.com/office/drawing/2014/main" id="{359F462D-F05F-11A9-6646-D5397F467FB3}"/>
+                <a16:creationId xmlns:a16="http://schemas.microsoft.com/office/drawing/2014/main" id="{A7F628D0-8329-4CD4-20CE-A1D74E7D7486}"/>
               </a:ext>
             </a:extLst>
           </p:cNvPr>
@@ -1380,7 +1380,7 @@
           <p:cNvPr id="5" name="日期占位符 4">
             <a:extLst>
               <a:ext uri="{FF2B5EF4-FFF2-40B4-BE49-F238E27FC236}">
-                <a16:creationId xmlns:a16="http://schemas.microsoft.com/office/drawing/2014/main" id="{A3A0F138-C941-1976-86AC-FAFB9E2A7F87}"/>
+                <a16:creationId xmlns:a16="http://schemas.microsoft.com/office/drawing/2014/main" id="{F44B3EA7-0719-5488-F396-90425C00D4B3}"/>
               </a:ext>
             </a:extLst>
           </p:cNvPr>
@@ -1396,7 +1396,7 @@
           <a:bodyPr/>
           <a:lstStyle/>
           <a:p>
-            <a:fld id="{4AED58CB-6DBF-4E5D-B2BB-302C961CF534}" type="datetimeFigureOut">
+            <a:fld id="{7E5A2B70-5C13-440E-BC72-CA49F10E5E51}" type="datetimeFigureOut">
               <a:rPr lang="zh-CN" altLang="en-US" smtClean="0"/>
               <a:t>2024/3/10</a:t>
             </a:fld>
@@ -1409,7 +1409,7 @@
           <p:cNvPr id="6" name="页脚占位符 5">
             <a:extLst>
               <a:ext uri="{FF2B5EF4-FFF2-40B4-BE49-F238E27FC236}">
-                <a16:creationId xmlns:a16="http://schemas.microsoft.com/office/drawing/2014/main" id="{4206AEAD-C47A-E0C4-7FFE-D10DDE0347D4}"/>
+                <a16:creationId xmlns:a16="http://schemas.microsoft.com/office/drawing/2014/main" id="{F682C561-812B-5BD9-1A83-88E7CFCF36E8}"/>
               </a:ext>
             </a:extLst>
           </p:cNvPr>
@@ -1434,7 +1434,7 @@
           <p:cNvPr id="7" name="灯片编号占位符 6">
             <a:extLst>
               <a:ext uri="{FF2B5EF4-FFF2-40B4-BE49-F238E27FC236}">
-                <a16:creationId xmlns:a16="http://schemas.microsoft.com/office/drawing/2014/main" id="{B6244B40-1913-7265-C60C-31EA5EA1ED0E}"/>
+                <a16:creationId xmlns:a16="http://schemas.microsoft.com/office/drawing/2014/main" id="{1F51C424-B11A-0D81-88AE-CBE4137BE2A4}"/>
               </a:ext>
             </a:extLst>
           </p:cNvPr>
@@ -1450,7 +1450,7 @@
           <a:bodyPr/>
           <a:lstStyle/>
           <a:p>
-            <a:fld id="{A03DD7C7-5BF9-4356-A162-F90139952582}" type="slidenum">
+            <a:fld id="{89C64599-9029-4A5B-8E37-C9D90AADA025}" type="slidenum">
               <a:rPr lang="zh-CN" altLang="en-US" smtClean="0"/>
               <a:t>‹#›</a:t>
             </a:fld>
@@ -1461,7 +1461,7 @@
     </p:spTree>
     <p:extLst>
       <p:ext uri="{BB962C8B-B14F-4D97-AF65-F5344CB8AC3E}">
-        <p14:creationId xmlns:p14="http://schemas.microsoft.com/office/powerpoint/2010/main" val="1546041795"/>
+        <p14:creationId xmlns:p14="http://schemas.microsoft.com/office/powerpoint/2010/main" val="2144392204"/>
       </p:ext>
     </p:extLst>
   </p:cSld>
@@ -1493,7 +1493,7 @@
           <p:cNvPr id="2" name="标题 1">
             <a:extLst>
               <a:ext uri="{FF2B5EF4-FFF2-40B4-BE49-F238E27FC236}">
-                <a16:creationId xmlns:a16="http://schemas.microsoft.com/office/drawing/2014/main" id="{AC97E82E-D568-0947-EDA3-1FE751DB67C5}"/>
+                <a16:creationId xmlns:a16="http://schemas.microsoft.com/office/drawing/2014/main" id="{7CC94B7F-55C2-778B-1FF0-4FE1AE564DBE}"/>
               </a:ext>
             </a:extLst>
           </p:cNvPr>
@@ -1526,7 +1526,7 @@
           <p:cNvPr id="3" name="文本占位符 2">
             <a:extLst>
               <a:ext uri="{FF2B5EF4-FFF2-40B4-BE49-F238E27FC236}">
-                <a16:creationId xmlns:a16="http://schemas.microsoft.com/office/drawing/2014/main" id="{5E210170-F095-CCA2-D455-B2FB55C67562}"/>
+                <a16:creationId xmlns:a16="http://schemas.microsoft.com/office/drawing/2014/main" id="{AFC0C039-AA87-1754-A845-0FA607E092D7}"/>
               </a:ext>
             </a:extLst>
           </p:cNvPr>
@@ -1597,7 +1597,7 @@
           <p:cNvPr id="4" name="内容占位符 3">
             <a:extLst>
               <a:ext uri="{FF2B5EF4-FFF2-40B4-BE49-F238E27FC236}">
-                <a16:creationId xmlns:a16="http://schemas.microsoft.com/office/drawing/2014/main" id="{278A9591-46F5-38CB-E336-093DFC3555E3}"/>
+                <a16:creationId xmlns:a16="http://schemas.microsoft.com/office/drawing/2014/main" id="{1A68F510-7C55-BF3C-984E-20A7173CB144}"/>
               </a:ext>
             </a:extLst>
           </p:cNvPr>
@@ -1659,7 +1659,7 @@
           <p:cNvPr id="5" name="文本占位符 4">
             <a:extLst>
               <a:ext uri="{FF2B5EF4-FFF2-40B4-BE49-F238E27FC236}">
-                <a16:creationId xmlns:a16="http://schemas.microsoft.com/office/drawing/2014/main" id="{DB411C39-543D-D9DB-3024-FF6B2263179F}"/>
+                <a16:creationId xmlns:a16="http://schemas.microsoft.com/office/drawing/2014/main" id="{9BEDFE21-611F-30E6-87B4-BB0BCC5247B9}"/>
               </a:ext>
             </a:extLst>
           </p:cNvPr>
@@ -1730,7 +1730,7 @@
           <p:cNvPr id="6" name="内容占位符 5">
             <a:extLst>
               <a:ext uri="{FF2B5EF4-FFF2-40B4-BE49-F238E27FC236}">
-                <a16:creationId xmlns:a16="http://schemas.microsoft.com/office/drawing/2014/main" id="{6C2743AE-423B-1A97-9060-B6F0CF79921C}"/>
+                <a16:creationId xmlns:a16="http://schemas.microsoft.com/office/drawing/2014/main" id="{2A6BA7E5-765E-DB18-8095-AC8475737D60}"/>
               </a:ext>
             </a:extLst>
           </p:cNvPr>
@@ -1792,7 +1792,7 @@
           <p:cNvPr id="7" name="日期占位符 6">
             <a:extLst>
               <a:ext uri="{FF2B5EF4-FFF2-40B4-BE49-F238E27FC236}">
-                <a16:creationId xmlns:a16="http://schemas.microsoft.com/office/drawing/2014/main" id="{77320B60-CC75-8FEE-A12F-44FCEFCEC19D}"/>
+                <a16:creationId xmlns:a16="http://schemas.microsoft.com/office/drawing/2014/main" id="{9B59B3E1-0708-BA28-9F46-005D248C52F2}"/>
               </a:ext>
             </a:extLst>
           </p:cNvPr>
@@ -1808,7 +1808,7 @@
           <a:bodyPr/>
           <a:lstStyle/>
           <a:p>
-            <a:fld id="{4AED58CB-6DBF-4E5D-B2BB-302C961CF534}" type="datetimeFigureOut">
+            <a:fld id="{7E5A2B70-5C13-440E-BC72-CA49F10E5E51}" type="datetimeFigureOut">
               <a:rPr lang="zh-CN" altLang="en-US" smtClean="0"/>
               <a:t>2024/3/10</a:t>
             </a:fld>
@@ -1821,7 +1821,7 @@
           <p:cNvPr id="8" name="页脚占位符 7">
             <a:extLst>
               <a:ext uri="{FF2B5EF4-FFF2-40B4-BE49-F238E27FC236}">
-                <a16:creationId xmlns:a16="http://schemas.microsoft.com/office/drawing/2014/main" id="{C3E85157-43B1-AC08-418F-792041423D60}"/>
+                <a16:creationId xmlns:a16="http://schemas.microsoft.com/office/drawing/2014/main" id="{7C630DD2-A9ED-D28D-145C-1ECB86BE4FA1}"/>
               </a:ext>
             </a:extLst>
           </p:cNvPr>
@@ -1846,7 +1846,7 @@
           <p:cNvPr id="9" name="灯片编号占位符 8">
             <a:extLst>
               <a:ext uri="{FF2B5EF4-FFF2-40B4-BE49-F238E27FC236}">
-                <a16:creationId xmlns:a16="http://schemas.microsoft.com/office/drawing/2014/main" id="{D346B9E3-6E42-E4ED-8C1E-39F2D4FB9073}"/>
+                <a16:creationId xmlns:a16="http://schemas.microsoft.com/office/drawing/2014/main" id="{9083E538-8679-7A12-8E91-84E6444E4311}"/>
               </a:ext>
             </a:extLst>
           </p:cNvPr>
@@ -1862,7 +1862,7 @@
           <a:bodyPr/>
           <a:lstStyle/>
           <a:p>
-            <a:fld id="{A03DD7C7-5BF9-4356-A162-F90139952582}" type="slidenum">
+            <a:fld id="{89C64599-9029-4A5B-8E37-C9D90AADA025}" type="slidenum">
               <a:rPr lang="zh-CN" altLang="en-US" smtClean="0"/>
               <a:t>‹#›</a:t>
             </a:fld>
@@ -1873,7 +1873,7 @@
     </p:spTree>
     <p:extLst>
       <p:ext uri="{BB962C8B-B14F-4D97-AF65-F5344CB8AC3E}">
-        <p14:creationId xmlns:p14="http://schemas.microsoft.com/office/powerpoint/2010/main" val="1052759521"/>
+        <p14:creationId xmlns:p14="http://schemas.microsoft.com/office/powerpoint/2010/main" val="2519527965"/>
       </p:ext>
     </p:extLst>
   </p:cSld>
@@ -1905,7 +1905,7 @@
           <p:cNvPr id="2" name="标题 1">
             <a:extLst>
               <a:ext uri="{FF2B5EF4-FFF2-40B4-BE49-F238E27FC236}">
-                <a16:creationId xmlns:a16="http://schemas.microsoft.com/office/drawing/2014/main" id="{A80A8E25-F483-0CF3-74B6-21778EBAA740}"/>
+                <a16:creationId xmlns:a16="http://schemas.microsoft.com/office/drawing/2014/main" id="{3BE159B1-CA63-8FD5-DE77-F3A558625D93}"/>
               </a:ext>
             </a:extLst>
           </p:cNvPr>
@@ -1933,7 +1933,7 @@
           <p:cNvPr id="3" name="日期占位符 2">
             <a:extLst>
               <a:ext uri="{FF2B5EF4-FFF2-40B4-BE49-F238E27FC236}">
-                <a16:creationId xmlns:a16="http://schemas.microsoft.com/office/drawing/2014/main" id="{165A0FAF-E0D0-5F7A-B03C-892890B81E71}"/>
+                <a16:creationId xmlns:a16="http://schemas.microsoft.com/office/drawing/2014/main" id="{6BEC48D0-0DBA-C9E9-CFA6-431D5ECA3BA4}"/>
               </a:ext>
             </a:extLst>
           </p:cNvPr>
@@ -1949,7 +1949,7 @@
           <a:bodyPr/>
           <a:lstStyle/>
           <a:p>
-            <a:fld id="{4AED58CB-6DBF-4E5D-B2BB-302C961CF534}" type="datetimeFigureOut">
+            <a:fld id="{7E5A2B70-5C13-440E-BC72-CA49F10E5E51}" type="datetimeFigureOut">
               <a:rPr lang="zh-CN" altLang="en-US" smtClean="0"/>
               <a:t>2024/3/10</a:t>
             </a:fld>
@@ -1962,7 +1962,7 @@
           <p:cNvPr id="4" name="页脚占位符 3">
             <a:extLst>
               <a:ext uri="{FF2B5EF4-FFF2-40B4-BE49-F238E27FC236}">
-                <a16:creationId xmlns:a16="http://schemas.microsoft.com/office/drawing/2014/main" id="{41C006EB-BA7E-1018-E4FA-FB4DA35BE5BD}"/>
+                <a16:creationId xmlns:a16="http://schemas.microsoft.com/office/drawing/2014/main" id="{7B1ADB54-9ED6-E775-7FAD-70453556537B}"/>
               </a:ext>
             </a:extLst>
           </p:cNvPr>
@@ -1987,7 +1987,7 @@
           <p:cNvPr id="5" name="灯片编号占位符 4">
             <a:extLst>
               <a:ext uri="{FF2B5EF4-FFF2-40B4-BE49-F238E27FC236}">
-                <a16:creationId xmlns:a16="http://schemas.microsoft.com/office/drawing/2014/main" id="{AB7594C6-7E0A-F00A-D766-7E305A5122C4}"/>
+                <a16:creationId xmlns:a16="http://schemas.microsoft.com/office/drawing/2014/main" id="{CAAEDAEF-9776-A187-83A1-A7D1A995D5EB}"/>
               </a:ext>
             </a:extLst>
           </p:cNvPr>
@@ -2003,7 +2003,7 @@
           <a:bodyPr/>
           <a:lstStyle/>
           <a:p>
-            <a:fld id="{A03DD7C7-5BF9-4356-A162-F90139952582}" type="slidenum">
+            <a:fld id="{89C64599-9029-4A5B-8E37-C9D90AADA025}" type="slidenum">
               <a:rPr lang="zh-CN" altLang="en-US" smtClean="0"/>
               <a:t>‹#›</a:t>
             </a:fld>
@@ -2014,7 +2014,7 @@
     </p:spTree>
     <p:extLst>
       <p:ext uri="{BB962C8B-B14F-4D97-AF65-F5344CB8AC3E}">
-        <p14:creationId xmlns:p14="http://schemas.microsoft.com/office/powerpoint/2010/main" val="3982341699"/>
+        <p14:creationId xmlns:p14="http://schemas.microsoft.com/office/powerpoint/2010/main" val="2765698905"/>
       </p:ext>
     </p:extLst>
   </p:cSld>
@@ -2046,7 +2046,7 @@
           <p:cNvPr id="2" name="日期占位符 1">
             <a:extLst>
               <a:ext uri="{FF2B5EF4-FFF2-40B4-BE49-F238E27FC236}">
-                <a16:creationId xmlns:a16="http://schemas.microsoft.com/office/drawing/2014/main" id="{70DAE3A9-C93B-C421-4FA3-8974EDFD769A}"/>
+                <a16:creationId xmlns:a16="http://schemas.microsoft.com/office/drawing/2014/main" id="{118C5602-6E84-1BA7-52F8-C165E27E835D}"/>
               </a:ext>
             </a:extLst>
           </p:cNvPr>
@@ -2062,7 +2062,7 @@
           <a:bodyPr/>
           <a:lstStyle/>
           <a:p>
-            <a:fld id="{4AED58CB-6DBF-4E5D-B2BB-302C961CF534}" type="datetimeFigureOut">
+            <a:fld id="{7E5A2B70-5C13-440E-BC72-CA49F10E5E51}" type="datetimeFigureOut">
               <a:rPr lang="zh-CN" altLang="en-US" smtClean="0"/>
               <a:t>2024/3/10</a:t>
             </a:fld>
@@ -2075,7 +2075,7 @@
           <p:cNvPr id="3" name="页脚占位符 2">
             <a:extLst>
               <a:ext uri="{FF2B5EF4-FFF2-40B4-BE49-F238E27FC236}">
-                <a16:creationId xmlns:a16="http://schemas.microsoft.com/office/drawing/2014/main" id="{8162AE51-F532-48A6-7310-FE912309DEDB}"/>
+                <a16:creationId xmlns:a16="http://schemas.microsoft.com/office/drawing/2014/main" id="{4925A904-C1C6-A7FA-7AAB-BE376FF739A7}"/>
               </a:ext>
             </a:extLst>
           </p:cNvPr>
@@ -2100,7 +2100,7 @@
           <p:cNvPr id="4" name="灯片编号占位符 3">
             <a:extLst>
               <a:ext uri="{FF2B5EF4-FFF2-40B4-BE49-F238E27FC236}">
-                <a16:creationId xmlns:a16="http://schemas.microsoft.com/office/drawing/2014/main" id="{FD42CA32-A128-45F3-3CD7-6656879E9967}"/>
+                <a16:creationId xmlns:a16="http://schemas.microsoft.com/office/drawing/2014/main" id="{4B6B43CB-D969-DA41-B4E2-E45C8BC6D87B}"/>
               </a:ext>
             </a:extLst>
           </p:cNvPr>
@@ -2116,7 +2116,7 @@
           <a:bodyPr/>
           <a:lstStyle/>
           <a:p>
-            <a:fld id="{A03DD7C7-5BF9-4356-A162-F90139952582}" type="slidenum">
+            <a:fld id="{89C64599-9029-4A5B-8E37-C9D90AADA025}" type="slidenum">
               <a:rPr lang="zh-CN" altLang="en-US" smtClean="0"/>
               <a:t>‹#›</a:t>
             </a:fld>
@@ -2127,7 +2127,7 @@
     </p:spTree>
     <p:extLst>
       <p:ext uri="{BB962C8B-B14F-4D97-AF65-F5344CB8AC3E}">
-        <p14:creationId xmlns:p14="http://schemas.microsoft.com/office/powerpoint/2010/main" val="628816757"/>
+        <p14:creationId xmlns:p14="http://schemas.microsoft.com/office/powerpoint/2010/main" val="2464061984"/>
       </p:ext>
     </p:extLst>
   </p:cSld>
@@ -2159,7 +2159,7 @@
           <p:cNvPr id="2" name="标题 1">
             <a:extLst>
               <a:ext uri="{FF2B5EF4-FFF2-40B4-BE49-F238E27FC236}">
-                <a16:creationId xmlns:a16="http://schemas.microsoft.com/office/drawing/2014/main" id="{40D8555B-A0F5-284B-F699-05C7DA45134D}"/>
+                <a16:creationId xmlns:a16="http://schemas.microsoft.com/office/drawing/2014/main" id="{99A3DD9C-50D5-79F6-5947-386FAC76EA56}"/>
               </a:ext>
             </a:extLst>
           </p:cNvPr>
@@ -2196,7 +2196,7 @@
           <p:cNvPr id="3" name="内容占位符 2">
             <a:extLst>
               <a:ext uri="{FF2B5EF4-FFF2-40B4-BE49-F238E27FC236}">
-                <a16:creationId xmlns:a16="http://schemas.microsoft.com/office/drawing/2014/main" id="{57388F4F-2C69-4548-D5E1-152584EE9489}"/>
+                <a16:creationId xmlns:a16="http://schemas.microsoft.com/office/drawing/2014/main" id="{58FCEAA7-7B90-DA41-1249-BC8991BD5FD3}"/>
               </a:ext>
             </a:extLst>
           </p:cNvPr>
@@ -2286,7 +2286,7 @@
           <p:cNvPr id="4" name="文本占位符 3">
             <a:extLst>
               <a:ext uri="{FF2B5EF4-FFF2-40B4-BE49-F238E27FC236}">
-                <a16:creationId xmlns:a16="http://schemas.microsoft.com/office/drawing/2014/main" id="{B5807250-7229-F525-3173-5788CE941A1D}"/>
+                <a16:creationId xmlns:a16="http://schemas.microsoft.com/office/drawing/2014/main" id="{E9BA72A4-1736-9446-D7F2-534600A77812}"/>
               </a:ext>
             </a:extLst>
           </p:cNvPr>
@@ -2357,7 +2357,7 @@
           <p:cNvPr id="5" name="日期占位符 4">
             <a:extLst>
               <a:ext uri="{FF2B5EF4-FFF2-40B4-BE49-F238E27FC236}">
-                <a16:creationId xmlns:a16="http://schemas.microsoft.com/office/drawing/2014/main" id="{CEB06CB4-62EB-6A4A-9641-943616BB07F8}"/>
+                <a16:creationId xmlns:a16="http://schemas.microsoft.com/office/drawing/2014/main" id="{FB1DD494-628C-19C1-CE33-4FD3E0ACE180}"/>
               </a:ext>
             </a:extLst>
           </p:cNvPr>
@@ -2373,7 +2373,7 @@
           <a:bodyPr/>
           <a:lstStyle/>
           <a:p>
-            <a:fld id="{4AED58CB-6DBF-4E5D-B2BB-302C961CF534}" type="datetimeFigureOut">
+            <a:fld id="{7E5A2B70-5C13-440E-BC72-CA49F10E5E51}" type="datetimeFigureOut">
               <a:rPr lang="zh-CN" altLang="en-US" smtClean="0"/>
               <a:t>2024/3/10</a:t>
             </a:fld>
@@ -2386,7 +2386,7 @@
           <p:cNvPr id="6" name="页脚占位符 5">
             <a:extLst>
               <a:ext uri="{FF2B5EF4-FFF2-40B4-BE49-F238E27FC236}">
-                <a16:creationId xmlns:a16="http://schemas.microsoft.com/office/drawing/2014/main" id="{C90D2BB2-3680-2580-0F9E-E0EB4A7D642B}"/>
+                <a16:creationId xmlns:a16="http://schemas.microsoft.com/office/drawing/2014/main" id="{C93A6EBB-44DA-90D3-A689-32B8B8072C24}"/>
               </a:ext>
             </a:extLst>
           </p:cNvPr>
@@ -2411,7 +2411,7 @@
           <p:cNvPr id="7" name="灯片编号占位符 6">
             <a:extLst>
               <a:ext uri="{FF2B5EF4-FFF2-40B4-BE49-F238E27FC236}">
-                <a16:creationId xmlns:a16="http://schemas.microsoft.com/office/drawing/2014/main" id="{2C6ABC21-5A4D-2208-CC3F-A892C5821982}"/>
+                <a16:creationId xmlns:a16="http://schemas.microsoft.com/office/drawing/2014/main" id="{B6E361DA-2D16-F21C-B214-ACB9D44F0834}"/>
               </a:ext>
             </a:extLst>
           </p:cNvPr>
@@ -2427,7 +2427,7 @@
           <a:bodyPr/>
           <a:lstStyle/>
           <a:p>
-            <a:fld id="{A03DD7C7-5BF9-4356-A162-F90139952582}" type="slidenum">
+            <a:fld id="{89C64599-9029-4A5B-8E37-C9D90AADA025}" type="slidenum">
               <a:rPr lang="zh-CN" altLang="en-US" smtClean="0"/>
               <a:t>‹#›</a:t>
             </a:fld>
@@ -2438,7 +2438,7 @@
     </p:spTree>
     <p:extLst>
       <p:ext uri="{BB962C8B-B14F-4D97-AF65-F5344CB8AC3E}">
-        <p14:creationId xmlns:p14="http://schemas.microsoft.com/office/powerpoint/2010/main" val="193534449"/>
+        <p14:creationId xmlns:p14="http://schemas.microsoft.com/office/powerpoint/2010/main" val="2599638233"/>
       </p:ext>
     </p:extLst>
   </p:cSld>
@@ -2470,7 +2470,7 @@
           <p:cNvPr id="2" name="标题 1">
             <a:extLst>
               <a:ext uri="{FF2B5EF4-FFF2-40B4-BE49-F238E27FC236}">
-                <a16:creationId xmlns:a16="http://schemas.microsoft.com/office/drawing/2014/main" id="{C471D9FC-70C0-9DFA-6405-305A6C6532A2}"/>
+                <a16:creationId xmlns:a16="http://schemas.microsoft.com/office/drawing/2014/main" id="{ACEF732E-C8FF-CF3B-330C-DFBC48A774FE}"/>
               </a:ext>
             </a:extLst>
           </p:cNvPr>
@@ -2507,7 +2507,7 @@
           <p:cNvPr id="3" name="图片占位符 2">
             <a:extLst>
               <a:ext uri="{FF2B5EF4-FFF2-40B4-BE49-F238E27FC236}">
-                <a16:creationId xmlns:a16="http://schemas.microsoft.com/office/drawing/2014/main" id="{A6F21481-6DA2-BC60-8CBE-77917EDEC390}"/>
+                <a16:creationId xmlns:a16="http://schemas.microsoft.com/office/drawing/2014/main" id="{915C645C-F64D-93B6-F899-FBDE31EE37B8}"/>
               </a:ext>
             </a:extLst>
           </p:cNvPr>
@@ -2574,7 +2574,7 @@
           <p:cNvPr id="4" name="文本占位符 3">
             <a:extLst>
               <a:ext uri="{FF2B5EF4-FFF2-40B4-BE49-F238E27FC236}">
-                <a16:creationId xmlns:a16="http://schemas.microsoft.com/office/drawing/2014/main" id="{E8C0F68D-E9B4-15A8-3CFE-A21A68CD99DE}"/>
+                <a16:creationId xmlns:a16="http://schemas.microsoft.com/office/drawing/2014/main" id="{A3E9C130-F759-4F75-0275-C1CD9E2400B6}"/>
               </a:ext>
             </a:extLst>
           </p:cNvPr>
@@ -2645,7 +2645,7 @@
           <p:cNvPr id="5" name="日期占位符 4">
             <a:extLst>
               <a:ext uri="{FF2B5EF4-FFF2-40B4-BE49-F238E27FC236}">
-                <a16:creationId xmlns:a16="http://schemas.microsoft.com/office/drawing/2014/main" id="{58C95542-9375-981F-C2F3-4CFF20BA45F5}"/>
+                <a16:creationId xmlns:a16="http://schemas.microsoft.com/office/drawing/2014/main" id="{2CA5490B-A948-A501-5BA2-CAE65CEEC6CB}"/>
               </a:ext>
             </a:extLst>
           </p:cNvPr>
@@ -2661,7 +2661,7 @@
           <a:bodyPr/>
           <a:lstStyle/>
           <a:p>
-            <a:fld id="{4AED58CB-6DBF-4E5D-B2BB-302C961CF534}" type="datetimeFigureOut">
+            <a:fld id="{7E5A2B70-5C13-440E-BC72-CA49F10E5E51}" type="datetimeFigureOut">
               <a:rPr lang="zh-CN" altLang="en-US" smtClean="0"/>
               <a:t>2024/3/10</a:t>
             </a:fld>
@@ -2674,7 +2674,7 @@
           <p:cNvPr id="6" name="页脚占位符 5">
             <a:extLst>
               <a:ext uri="{FF2B5EF4-FFF2-40B4-BE49-F238E27FC236}">
-                <a16:creationId xmlns:a16="http://schemas.microsoft.com/office/drawing/2014/main" id="{2EF70CB5-A6A8-2DAD-B1A0-C224FA32943F}"/>
+                <a16:creationId xmlns:a16="http://schemas.microsoft.com/office/drawing/2014/main" id="{10BA5158-D35F-65BD-CABE-C11F5F9FC802}"/>
               </a:ext>
             </a:extLst>
           </p:cNvPr>
@@ -2699,7 +2699,7 @@
           <p:cNvPr id="7" name="灯片编号占位符 6">
             <a:extLst>
               <a:ext uri="{FF2B5EF4-FFF2-40B4-BE49-F238E27FC236}">
-                <a16:creationId xmlns:a16="http://schemas.microsoft.com/office/drawing/2014/main" id="{C97AA016-0D47-2051-43B0-D549D7F32DE9}"/>
+                <a16:creationId xmlns:a16="http://schemas.microsoft.com/office/drawing/2014/main" id="{E21F8874-BDF1-C835-96E8-E7AFB0DA15B2}"/>
               </a:ext>
             </a:extLst>
           </p:cNvPr>
@@ -2715,7 +2715,7 @@
           <a:bodyPr/>
           <a:lstStyle/>
           <a:p>
-            <a:fld id="{A03DD7C7-5BF9-4356-A162-F90139952582}" type="slidenum">
+            <a:fld id="{89C64599-9029-4A5B-8E37-C9D90AADA025}" type="slidenum">
               <a:rPr lang="zh-CN" altLang="en-US" smtClean="0"/>
               <a:t>‹#›</a:t>
             </a:fld>
@@ -2726,7 +2726,7 @@
     </p:spTree>
     <p:extLst>
       <p:ext uri="{BB962C8B-B14F-4D97-AF65-F5344CB8AC3E}">
-        <p14:creationId xmlns:p14="http://schemas.microsoft.com/office/powerpoint/2010/main" val="4062242228"/>
+        <p14:creationId xmlns:p14="http://schemas.microsoft.com/office/powerpoint/2010/main" val="3928915967"/>
       </p:ext>
     </p:extLst>
   </p:cSld>
@@ -2763,7 +2763,7 @@
           <p:cNvPr id="2" name="标题占位符 1">
             <a:extLst>
               <a:ext uri="{FF2B5EF4-FFF2-40B4-BE49-F238E27FC236}">
-                <a16:creationId xmlns:a16="http://schemas.microsoft.com/office/drawing/2014/main" id="{7BF6EC84-F945-78AE-6E73-C89BC9D80F3B}"/>
+                <a16:creationId xmlns:a16="http://schemas.microsoft.com/office/drawing/2014/main" id="{B6F0AECB-1370-EBAD-BA95-7434621976C3}"/>
               </a:ext>
             </a:extLst>
           </p:cNvPr>
@@ -2801,7 +2801,7 @@
           <p:cNvPr id="3" name="文本占位符 2">
             <a:extLst>
               <a:ext uri="{FF2B5EF4-FFF2-40B4-BE49-F238E27FC236}">
-                <a16:creationId xmlns:a16="http://schemas.microsoft.com/office/drawing/2014/main" id="{24036811-1307-6DE1-6F3C-E47BEC494FEA}"/>
+                <a16:creationId xmlns:a16="http://schemas.microsoft.com/office/drawing/2014/main" id="{8049ECEB-9637-D009-585A-FAE0EAC6DD7B}"/>
               </a:ext>
             </a:extLst>
           </p:cNvPr>
@@ -2868,7 +2868,7 @@
           <p:cNvPr id="4" name="日期占位符 3">
             <a:extLst>
               <a:ext uri="{FF2B5EF4-FFF2-40B4-BE49-F238E27FC236}">
-                <a16:creationId xmlns:a16="http://schemas.microsoft.com/office/drawing/2014/main" id="{DA1DAD20-F408-F671-57F7-61D9EF1BA5CF}"/>
+                <a16:creationId xmlns:a16="http://schemas.microsoft.com/office/drawing/2014/main" id="{027DFCA4-EA7F-A12C-2753-20D9C04DB5D9}"/>
               </a:ext>
             </a:extLst>
           </p:cNvPr>
@@ -2902,7 +2902,7 @@
             </a:lvl1pPr>
           </a:lstStyle>
           <a:p>
-            <a:fld id="{4AED58CB-6DBF-4E5D-B2BB-302C961CF534}" type="datetimeFigureOut">
+            <a:fld id="{7E5A2B70-5C13-440E-BC72-CA49F10E5E51}" type="datetimeFigureOut">
               <a:rPr lang="zh-CN" altLang="en-US" smtClean="0"/>
               <a:t>2024/3/10</a:t>
             </a:fld>
@@ -2915,7 +2915,7 @@
           <p:cNvPr id="5" name="页脚占位符 4">
             <a:extLst>
               <a:ext uri="{FF2B5EF4-FFF2-40B4-BE49-F238E27FC236}">
-                <a16:creationId xmlns:a16="http://schemas.microsoft.com/office/drawing/2014/main" id="{065751FE-9268-2F0C-91F6-99578E6F92F4}"/>
+                <a16:creationId xmlns:a16="http://schemas.microsoft.com/office/drawing/2014/main" id="{B8B3EE11-52F2-DFC0-04FF-9796BCF278A9}"/>
               </a:ext>
             </a:extLst>
           </p:cNvPr>
@@ -2958,7 +2958,7 @@
           <p:cNvPr id="6" name="灯片编号占位符 5">
             <a:extLst>
               <a:ext uri="{FF2B5EF4-FFF2-40B4-BE49-F238E27FC236}">
-                <a16:creationId xmlns:a16="http://schemas.microsoft.com/office/drawing/2014/main" id="{2A0AA4D7-8652-85B8-0996-684A15508008}"/>
+                <a16:creationId xmlns:a16="http://schemas.microsoft.com/office/drawing/2014/main" id="{0045DE74-1A26-79F4-EA7B-F82911D1222D}"/>
               </a:ext>
             </a:extLst>
           </p:cNvPr>
@@ -2992,7 +2992,7 @@
             </a:lvl1pPr>
           </a:lstStyle>
           <a:p>
-            <a:fld id="{A03DD7C7-5BF9-4356-A162-F90139952582}" type="slidenum">
+            <a:fld id="{89C64599-9029-4A5B-8E37-C9D90AADA025}" type="slidenum">
               <a:rPr lang="zh-CN" altLang="en-US" smtClean="0"/>
               <a:t>‹#›</a:t>
             </a:fld>
@@ -3003,7 +3003,7 @@
     </p:spTree>
     <p:extLst>
       <p:ext uri="{BB962C8B-B14F-4D97-AF65-F5344CB8AC3E}">
-        <p14:creationId xmlns:p14="http://schemas.microsoft.com/office/powerpoint/2010/main" val="1862857151"/>
+        <p14:creationId xmlns:p14="http://schemas.microsoft.com/office/powerpoint/2010/main" val="1921347320"/>
       </p:ext>
     </p:extLst>
   </p:cSld>
@@ -3323,7 +3323,7 @@
       </p:grpSpPr>
       <p:pic>
         <p:nvPicPr>
-          <p:cNvPr id="1518594" name="Picture 2" descr="1482"/>
+          <p:cNvPr id="1519618" name="Picture 2" descr="1483"/>
           <p:cNvPicPr>
             <a:picLocks noChangeAspect="1" noChangeArrowheads="1"/>
           </p:cNvPicPr>
@@ -3344,8 +3344,8 @@
         </p:blipFill>
         <p:spPr bwMode="auto">
           <a:xfrm>
-            <a:off x="1524000" y="0"/>
-            <a:ext cx="9144000" cy="6681788"/>
+            <a:off x="1524000" y="1"/>
+            <a:ext cx="9144000" cy="6735763"/>
           </a:xfrm>
           <a:prstGeom prst="rect">
             <a:avLst/>
